--- a/流程图.pptx
+++ b/流程图.pptx
@@ -104,6 +104,11 @@
       </a:defRPr>
     </a:lvl9pPr>
   </p:defaultTextStyle>
+  <p:extLst>
+    <p:ext uri="{EFAFB233-063F-42B5-8137-9DF3F51BA10A}">
+      <p15:sldGuideLst xmlns:p15="http://schemas.microsoft.com/office/powerpoint/2012/main"/>
+    </p:ext>
+  </p:extLst>
 </p:presentation>
 </file>
 
@@ -238,7 +243,7 @@
           <a:p>
             <a:fld id="{8557E743-1051-4002-93F0-8E3AA2236935}" type="datetimeFigureOut">
               <a:rPr lang="en-US" smtClean="0"/>
-              <a:t>1/28/2021</a:t>
+              <a:t>1/29/2021</a:t>
             </a:fld>
             <a:endParaRPr lang="en-US"/>
           </a:p>
@@ -408,7 +413,7 @@
           <a:p>
             <a:fld id="{8557E743-1051-4002-93F0-8E3AA2236935}" type="datetimeFigureOut">
               <a:rPr lang="en-US" smtClean="0"/>
-              <a:t>1/28/2021</a:t>
+              <a:t>1/29/2021</a:t>
             </a:fld>
             <a:endParaRPr lang="en-US"/>
           </a:p>
@@ -588,7 +593,7 @@
           <a:p>
             <a:fld id="{8557E743-1051-4002-93F0-8E3AA2236935}" type="datetimeFigureOut">
               <a:rPr lang="en-US" smtClean="0"/>
-              <a:t>1/28/2021</a:t>
+              <a:t>1/29/2021</a:t>
             </a:fld>
             <a:endParaRPr lang="en-US"/>
           </a:p>
@@ -758,7 +763,7 @@
           <a:p>
             <a:fld id="{8557E743-1051-4002-93F0-8E3AA2236935}" type="datetimeFigureOut">
               <a:rPr lang="en-US" smtClean="0"/>
-              <a:t>1/28/2021</a:t>
+              <a:t>1/29/2021</a:t>
             </a:fld>
             <a:endParaRPr lang="en-US"/>
           </a:p>
@@ -1004,7 +1009,7 @@
           <a:p>
             <a:fld id="{8557E743-1051-4002-93F0-8E3AA2236935}" type="datetimeFigureOut">
               <a:rPr lang="en-US" smtClean="0"/>
-              <a:t>1/28/2021</a:t>
+              <a:t>1/29/2021</a:t>
             </a:fld>
             <a:endParaRPr lang="en-US"/>
           </a:p>
@@ -1236,7 +1241,7 @@
           <a:p>
             <a:fld id="{8557E743-1051-4002-93F0-8E3AA2236935}" type="datetimeFigureOut">
               <a:rPr lang="en-US" smtClean="0"/>
-              <a:t>1/28/2021</a:t>
+              <a:t>1/29/2021</a:t>
             </a:fld>
             <a:endParaRPr lang="en-US"/>
           </a:p>
@@ -1603,7 +1608,7 @@
           <a:p>
             <a:fld id="{8557E743-1051-4002-93F0-8E3AA2236935}" type="datetimeFigureOut">
               <a:rPr lang="en-US" smtClean="0"/>
-              <a:t>1/28/2021</a:t>
+              <a:t>1/29/2021</a:t>
             </a:fld>
             <a:endParaRPr lang="en-US"/>
           </a:p>
@@ -1721,7 +1726,7 @@
           <a:p>
             <a:fld id="{8557E743-1051-4002-93F0-8E3AA2236935}" type="datetimeFigureOut">
               <a:rPr lang="en-US" smtClean="0"/>
-              <a:t>1/28/2021</a:t>
+              <a:t>1/29/2021</a:t>
             </a:fld>
             <a:endParaRPr lang="en-US"/>
           </a:p>
@@ -1816,7 +1821,7 @@
           <a:p>
             <a:fld id="{8557E743-1051-4002-93F0-8E3AA2236935}" type="datetimeFigureOut">
               <a:rPr lang="en-US" smtClean="0"/>
-              <a:t>1/28/2021</a:t>
+              <a:t>1/29/2021</a:t>
             </a:fld>
             <a:endParaRPr lang="en-US"/>
           </a:p>
@@ -2093,7 +2098,7 @@
           <a:p>
             <a:fld id="{8557E743-1051-4002-93F0-8E3AA2236935}" type="datetimeFigureOut">
               <a:rPr lang="en-US" smtClean="0"/>
-              <a:t>1/28/2021</a:t>
+              <a:t>1/29/2021</a:t>
             </a:fld>
             <a:endParaRPr lang="en-US"/>
           </a:p>
@@ -2346,7 +2351,7 @@
           <a:p>
             <a:fld id="{8557E743-1051-4002-93F0-8E3AA2236935}" type="datetimeFigureOut">
               <a:rPr lang="en-US" smtClean="0"/>
-              <a:t>1/28/2021</a:t>
+              <a:t>1/29/2021</a:t>
             </a:fld>
             <a:endParaRPr lang="en-US"/>
           </a:p>
@@ -2559,7 +2564,7 @@
           <a:p>
             <a:fld id="{8557E743-1051-4002-93F0-8E3AA2236935}" type="datetimeFigureOut">
               <a:rPr lang="en-US" smtClean="0"/>
-              <a:t>1/28/2021</a:t>
+              <a:t>1/29/2021</a:t>
             </a:fld>
             <a:endParaRPr lang="en-US"/>
           </a:p>
@@ -2972,8 +2977,8 @@
         </p:nvSpPr>
         <p:spPr>
           <a:xfrm>
-            <a:off x="4805680" y="365760"/>
-            <a:ext cx="1219200" cy="416560"/>
+            <a:off x="4922188" y="665999"/>
+            <a:ext cx="1035437" cy="267253"/>
           </a:xfrm>
           <a:prstGeom prst="rect">
             <a:avLst/>
@@ -3001,14 +3006,14 @@
           <a:p>
             <a:pPr algn="ctr"/>
             <a:r>
-              <a:rPr lang="zh-CN" altLang="en-US" sz="1600" dirty="0" smtClean="0">
+              <a:rPr lang="zh-CN" altLang="en-US" sz="1400" dirty="0" smtClean="0">
                 <a:solidFill>
                   <a:schemeClr val="tx1"/>
                 </a:solidFill>
               </a:rPr>
               <a:t>样本筛选</a:t>
             </a:r>
-            <a:endParaRPr lang="en-US" sz="1600" dirty="0">
+            <a:endParaRPr lang="en-US" sz="1400" dirty="0">
               <a:solidFill>
                 <a:schemeClr val="tx1"/>
               </a:solidFill>
@@ -3024,8 +3029,8 @@
         </p:nvSpPr>
         <p:spPr>
           <a:xfrm>
-            <a:off x="4610652" y="1213678"/>
-            <a:ext cx="1625600" cy="416560"/>
+            <a:off x="4670287" y="1209040"/>
+            <a:ext cx="1511852" cy="310322"/>
           </a:xfrm>
           <a:prstGeom prst="rect">
             <a:avLst/>
@@ -3053,7 +3058,7 @@
           <a:p>
             <a:pPr algn="ctr"/>
             <a:r>
-              <a:rPr lang="zh-CN" altLang="en-US" sz="1600" dirty="0">
+              <a:rPr lang="zh-CN" altLang="en-US" sz="1400" dirty="0">
                 <a:solidFill>
                   <a:schemeClr val="tx1"/>
                 </a:solidFill>
@@ -3061,14 +3066,14 @@
               <a:t>生</a:t>
             </a:r>
             <a:r>
-              <a:rPr lang="zh-CN" altLang="en-US" sz="1600" dirty="0" smtClean="0">
+              <a:rPr lang="zh-CN" altLang="en-US" sz="1400" dirty="0" smtClean="0">
                 <a:solidFill>
                   <a:schemeClr val="tx1"/>
                 </a:solidFill>
               </a:rPr>
               <a:t>成抑郁标签</a:t>
             </a:r>
-            <a:endParaRPr lang="en-US" sz="1600" dirty="0">
+            <a:endParaRPr lang="en-US" sz="1400" dirty="0">
               <a:solidFill>
                 <a:schemeClr val="tx1"/>
               </a:solidFill>
@@ -3084,8 +3089,8 @@
         </p:nvSpPr>
         <p:spPr>
           <a:xfrm>
-            <a:off x="4297680" y="1991360"/>
-            <a:ext cx="2235200" cy="416560"/>
+            <a:off x="4465982" y="1991360"/>
+            <a:ext cx="2066897" cy="294641"/>
           </a:xfrm>
           <a:prstGeom prst="rect">
             <a:avLst/>
@@ -3113,7 +3118,7 @@
           <a:p>
             <a:pPr algn="ctr"/>
             <a:r>
-              <a:rPr lang="zh-CN" altLang="en-US" sz="1600" dirty="0">
+              <a:rPr lang="zh-CN" altLang="en-US" sz="1400" dirty="0">
                 <a:solidFill>
                   <a:schemeClr val="tx1"/>
                 </a:solidFill>
@@ -3121,14 +3126,14 @@
               <a:t>数</a:t>
             </a:r>
             <a:r>
-              <a:rPr lang="zh-CN" altLang="en-US" sz="1600" dirty="0" smtClean="0">
+              <a:rPr lang="zh-CN" altLang="en-US" sz="1400" dirty="0" smtClean="0">
                 <a:solidFill>
                   <a:schemeClr val="tx1"/>
                 </a:solidFill>
               </a:rPr>
               <a:t>据清洗与预处理</a:t>
             </a:r>
-            <a:endParaRPr lang="en-US" sz="1600" dirty="0">
+            <a:endParaRPr lang="en-US" sz="1400" dirty="0">
               <a:solidFill>
                 <a:schemeClr val="tx1"/>
               </a:solidFill>
@@ -3144,8 +3149,8 @@
         </p:nvSpPr>
         <p:spPr>
           <a:xfrm>
-            <a:off x="4668520" y="2834640"/>
-            <a:ext cx="1493520" cy="416560"/>
+            <a:off x="4776303" y="2743973"/>
+            <a:ext cx="1356360" cy="282492"/>
           </a:xfrm>
           <a:prstGeom prst="rect">
             <a:avLst/>
@@ -3173,7 +3178,7 @@
           <a:p>
             <a:pPr algn="ctr"/>
             <a:r>
-              <a:rPr lang="zh-CN" altLang="en-US" sz="1600" dirty="0">
+              <a:rPr lang="zh-CN" altLang="en-US" sz="1400" dirty="0">
                 <a:solidFill>
                   <a:schemeClr val="tx1"/>
                 </a:solidFill>
@@ -3181,14 +3186,14 @@
               <a:t>模</a:t>
             </a:r>
             <a:r>
-              <a:rPr lang="zh-CN" altLang="en-US" sz="1600" dirty="0" smtClean="0">
+              <a:rPr lang="zh-CN" altLang="en-US" sz="1400" dirty="0" smtClean="0">
                 <a:solidFill>
                   <a:schemeClr val="tx1"/>
                 </a:solidFill>
               </a:rPr>
               <a:t>型训练</a:t>
             </a:r>
-            <a:endParaRPr lang="en-US" sz="1600" dirty="0">
+            <a:endParaRPr lang="en-US" sz="1400" dirty="0">
               <a:solidFill>
                 <a:schemeClr val="tx1"/>
               </a:solidFill>
@@ -3204,8 +3209,8 @@
         </p:nvSpPr>
         <p:spPr>
           <a:xfrm>
-            <a:off x="4668520" y="3657600"/>
-            <a:ext cx="1493520" cy="416560"/>
+            <a:off x="4748033" y="3482125"/>
+            <a:ext cx="1356360" cy="283377"/>
           </a:xfrm>
           <a:prstGeom prst="rect">
             <a:avLst/>
@@ -3233,7 +3238,7 @@
           <a:p>
             <a:pPr algn="ctr"/>
             <a:r>
-              <a:rPr lang="zh-CN" altLang="en-US" sz="1600" dirty="0">
+              <a:rPr lang="zh-CN" altLang="en-US" sz="1400" dirty="0">
                 <a:solidFill>
                   <a:schemeClr val="tx1"/>
                 </a:solidFill>
@@ -3241,14 +3246,14 @@
               <a:t>模</a:t>
             </a:r>
             <a:r>
-              <a:rPr lang="zh-CN" altLang="en-US" sz="1600" dirty="0" smtClean="0">
+              <a:rPr lang="zh-CN" altLang="en-US" sz="1400" dirty="0" smtClean="0">
                 <a:solidFill>
                   <a:schemeClr val="tx1"/>
                 </a:solidFill>
               </a:rPr>
               <a:t>型评估</a:t>
             </a:r>
-            <a:endParaRPr lang="en-US" sz="1600" dirty="0">
+            <a:endParaRPr lang="en-US" sz="1400" dirty="0">
               <a:solidFill>
                 <a:schemeClr val="tx1"/>
               </a:solidFill>
@@ -3260,15 +3265,14 @@
         <p:nvCxnSpPr>
           <p:cNvPr id="13" name="Straight Arrow Connector 12"/>
           <p:cNvCxnSpPr>
-            <a:stCxn id="2" idx="2"/>
             <a:endCxn id="4" idx="0"/>
           </p:cNvCxnSpPr>
           <p:nvPr/>
         </p:nvCxnSpPr>
         <p:spPr>
           <a:xfrm>
-            <a:off x="5415280" y="782320"/>
-            <a:ext cx="8172" cy="431358"/>
+            <a:off x="5426213" y="933252"/>
+            <a:ext cx="0" cy="275788"/>
           </a:xfrm>
           <a:prstGeom prst="straightConnector1">
             <a:avLst/>
@@ -3333,7 +3337,7 @@
         </p:nvCxnSpPr>
         <p:spPr>
           <a:xfrm>
-            <a:off x="5415280" y="2468880"/>
+            <a:off x="5415279" y="2336359"/>
             <a:ext cx="0" cy="365760"/>
           </a:xfrm>
           <a:prstGeom prst="straightConnector1">
@@ -3366,7 +3370,7 @@
         </p:nvCxnSpPr>
         <p:spPr>
           <a:xfrm>
-            <a:off x="5415280" y="3291840"/>
+            <a:off x="5412186" y="3042920"/>
             <a:ext cx="0" cy="365760"/>
           </a:xfrm>
           <a:prstGeom prst="straightConnector1">
@@ -3401,8 +3405,8 @@
         </p:nvCxnSpPr>
         <p:spPr>
           <a:xfrm flipV="1">
-            <a:off x="6162040" y="2651760"/>
-            <a:ext cx="762221" cy="1214120"/>
+            <a:off x="6104393" y="2426147"/>
+            <a:ext cx="825830" cy="1197667"/>
           </a:xfrm>
           <a:prstGeom prst="bentConnector2">
             <a:avLst/>
@@ -3431,7 +3435,7 @@
         </p:nvCxnSpPr>
         <p:spPr>
           <a:xfrm flipH="1">
-            <a:off x="5415280" y="2651760"/>
+            <a:off x="5435379" y="2434099"/>
             <a:ext cx="1493520" cy="0"/>
           </a:xfrm>
           <a:prstGeom prst="straightConnector1">
@@ -3480,15 +3484,23 @@
           <a:p>
             <a:r>
               <a:rPr lang="zh-CN" altLang="en-US" sz="1200" dirty="0" smtClean="0"/>
-              <a:t>根据特征重要性排序得出</a:t>
-            </a:r>
-            <a:r>
-              <a:rPr lang="en-US" altLang="zh-CN" sz="1200" dirty="0" smtClean="0"/>
-              <a:t>Top20</a:t>
+              <a:t>根据特征重要性排序得</a:t>
             </a:r>
             <a:r>
               <a:rPr lang="zh-CN" altLang="en-US" sz="1200" dirty="0" smtClean="0"/>
-              <a:t>特征</a:t>
+              <a:t>出</a:t>
+            </a:r>
+            <a:r>
+              <a:rPr lang="zh-CN" altLang="en-US" sz="1200" dirty="0"/>
+              <a:t>最重要的前</a:t>
+            </a:r>
+            <a:r>
+              <a:rPr lang="en-US" sz="1200" dirty="0"/>
+              <a:t>20</a:t>
+            </a:r>
+            <a:r>
+              <a:rPr lang="zh-CN" altLang="en-US" sz="1200" dirty="0"/>
+              <a:t>个变量</a:t>
             </a:r>
             <a:endParaRPr lang="en-US" sz="1200" dirty="0"/>
           </a:p>
@@ -3497,15 +3509,13 @@
       <p:cxnSp>
         <p:nvCxnSpPr>
           <p:cNvPr id="34" name="Straight Arrow Connector 33"/>
-          <p:cNvCxnSpPr>
-            <a:stCxn id="9" idx="2"/>
-          </p:cNvCxnSpPr>
+          <p:cNvCxnSpPr/>
           <p:nvPr/>
         </p:nvCxnSpPr>
         <p:spPr>
           <a:xfrm>
-            <a:off x="5415280" y="4074160"/>
-            <a:ext cx="0" cy="332188"/>
+            <a:off x="5412186" y="3812211"/>
+            <a:ext cx="0" cy="367415"/>
           </a:xfrm>
           <a:prstGeom prst="straightConnector1">
             <a:avLst/>
@@ -3537,8 +3547,8 @@
         </p:nvSpPr>
         <p:spPr>
           <a:xfrm>
-            <a:off x="4668520" y="4406348"/>
-            <a:ext cx="1493520" cy="351182"/>
+            <a:off x="4670287" y="4210220"/>
+            <a:ext cx="1493521" cy="297289"/>
           </a:xfrm>
           <a:prstGeom prst="rect">
             <a:avLst/>
@@ -3566,14 +3576,14 @@
           <a:p>
             <a:pPr algn="ctr"/>
             <a:r>
-              <a:rPr lang="zh-CN" altLang="en-US" sz="1600" dirty="0" smtClean="0">
+              <a:rPr lang="zh-CN" altLang="en-US" sz="1400" dirty="0" smtClean="0">
                 <a:solidFill>
                   <a:schemeClr val="tx1"/>
                 </a:solidFill>
               </a:rPr>
               <a:t>精简模型</a:t>
             </a:r>
-            <a:endParaRPr lang="en-US" sz="1600" dirty="0">
+            <a:endParaRPr lang="en-US" sz="1400" dirty="0">
               <a:solidFill>
                 <a:schemeClr val="tx1"/>
               </a:solidFill>
@@ -3584,15 +3594,13 @@
       <p:cxnSp>
         <p:nvCxnSpPr>
           <p:cNvPr id="37" name="Straight Arrow Connector 36"/>
-          <p:cNvCxnSpPr>
-            <a:stCxn id="35" idx="2"/>
-          </p:cNvCxnSpPr>
+          <p:cNvCxnSpPr/>
           <p:nvPr/>
         </p:nvCxnSpPr>
         <p:spPr>
           <a:xfrm>
-            <a:off x="5415280" y="4757530"/>
-            <a:ext cx="0" cy="265044"/>
+            <a:off x="5412186" y="4507509"/>
+            <a:ext cx="0" cy="318937"/>
           </a:xfrm>
           <a:prstGeom prst="straightConnector1">
             <a:avLst/>
@@ -3624,8 +3632,8 @@
         </p:nvSpPr>
         <p:spPr>
           <a:xfrm>
-            <a:off x="4870174" y="5022574"/>
-            <a:ext cx="1106556" cy="331304"/>
+            <a:off x="4894801" y="4862222"/>
+            <a:ext cx="1062824" cy="261513"/>
           </a:xfrm>
           <a:prstGeom prst="rect">
             <a:avLst/>
@@ -3653,14 +3661,14 @@
           <a:p>
             <a:pPr algn="ctr"/>
             <a:r>
-              <a:rPr lang="zh-CN" altLang="en-US" sz="1600" dirty="0" smtClean="0">
+              <a:rPr lang="zh-CN" altLang="en-US" sz="1400" dirty="0" smtClean="0">
                 <a:solidFill>
                   <a:schemeClr val="tx1"/>
                 </a:solidFill>
               </a:rPr>
               <a:t>概率预测</a:t>
             </a:r>
-            <a:endParaRPr lang="en-US" sz="1600" dirty="0">
+            <a:endParaRPr lang="en-US" sz="1400" dirty="0">
               <a:solidFill>
                 <a:schemeClr val="tx1"/>
               </a:solidFill>
